--- a/Presentation 10-21.pptx
+++ b/Presentation 10-21.pptx
@@ -179,26 +179,23 @@
           <c:invertIfNegative val="0"/>
           <c:val>
             <c:numRef>
-              <c:f>Sheet1!$H$19:$M$19</c:f>
+              <c:f>Sheet1!$I$19:$M$19</c:f>
               <c:numCache>
                 <c:formatCode>General</c:formatCode>
-                <c:ptCount val="6"/>
+                <c:ptCount val="5"/>
                 <c:pt idx="0">
-                  <c:v>7</c:v>
+                  <c:v>3</c:v>
                 </c:pt>
                 <c:pt idx="1">
-                  <c:v>3</c:v>
+                  <c:v>2</c:v>
                 </c:pt>
                 <c:pt idx="2">
                   <c:v>2</c:v>
                 </c:pt>
                 <c:pt idx="3">
-                  <c:v>2</c:v>
+                  <c:v>1</c:v>
                 </c:pt>
                 <c:pt idx="4">
-                  <c:v>1</c:v>
-                </c:pt>
-                <c:pt idx="5">
                   <c:v>0</c:v>
                 </c:pt>
               </c:numCache>
@@ -214,8 +211,8 @@
           <c:showBubbleSize val="0"/>
         </c:dLbls>
         <c:gapWidth val="150"/>
-        <c:axId val="126090624"/>
-        <c:axId val="127399040"/>
+        <c:axId val="113833472"/>
+        <c:axId val="113835008"/>
       </c:barChart>
       <c:lineChart>
         <c:grouping val="standard"/>
@@ -239,26 +236,23 @@
           </c:marker>
           <c:val>
             <c:numRef>
-              <c:f>Sheet1!$H$18:$M$18</c:f>
+              <c:f>Sheet1!$I$18:$M$18</c:f>
               <c:numCache>
                 <c:formatCode>General</c:formatCode>
-                <c:ptCount val="6"/>
+                <c:ptCount val="5"/>
                 <c:pt idx="0">
-                  <c:v>7</c:v>
+                  <c:v>5.6</c:v>
                 </c:pt>
                 <c:pt idx="1">
-                  <c:v>5.6</c:v>
+                  <c:v>4.1999999999999993</c:v>
                 </c:pt>
                 <c:pt idx="2">
-                  <c:v>4.1999999999999993</c:v>
+                  <c:v>2.7999999999999994</c:v>
                 </c:pt>
                 <c:pt idx="3">
-                  <c:v>2.7999999999999994</c:v>
+                  <c:v>1.3999999999999995</c:v>
                 </c:pt>
                 <c:pt idx="4">
-                  <c:v>1.3999999999999995</c:v>
-                </c:pt>
-                <c:pt idx="5">
                   <c:v>0</c:v>
                 </c:pt>
               </c:numCache>
@@ -276,11 +270,11 @@
         </c:dLbls>
         <c:marker val="1"/>
         <c:smooth val="0"/>
-        <c:axId val="126090624"/>
-        <c:axId val="127399040"/>
+        <c:axId val="113833472"/>
+        <c:axId val="113835008"/>
       </c:lineChart>
       <c:catAx>
-        <c:axId val="126090624"/>
+        <c:axId val="113833472"/>
         <c:scaling>
           <c:orientation val="minMax"/>
         </c:scaling>
@@ -289,7 +283,7 @@
         <c:majorTickMark val="out"/>
         <c:minorTickMark val="none"/>
         <c:tickLblPos val="nextTo"/>
-        <c:crossAx val="127399040"/>
+        <c:crossAx val="113835008"/>
         <c:crosses val="autoZero"/>
         <c:auto val="1"/>
         <c:lblAlgn val="ctr"/>
@@ -297,7 +291,7 @@
         <c:noMultiLvlLbl val="0"/>
       </c:catAx>
       <c:valAx>
-        <c:axId val="127399040"/>
+        <c:axId val="113835008"/>
         <c:scaling>
           <c:orientation val="minMax"/>
         </c:scaling>
@@ -308,7 +302,7 @@
         <c:majorTickMark val="out"/>
         <c:minorTickMark val="none"/>
         <c:tickLblPos val="nextTo"/>
-        <c:crossAx val="126090624"/>
+        <c:crossAx val="113833472"/>
         <c:crosses val="autoZero"/>
         <c:crossBetween val="between"/>
       </c:valAx>
@@ -576,7 +570,7 @@
           <a:p>
             <a:fld id="{F787A8E3-CDBE-416E-AB8E-15F5E3F489E4}" type="datetimeFigureOut">
               <a:rPr lang="en-US" smtClean="0"/>
-              <a:t>10/21/2014</a:t>
+              <a:t>10/22/2014</a:t>
             </a:fld>
             <a:endParaRPr lang="en-US"/>
           </a:p>
@@ -799,7 +793,7 @@
           <a:p>
             <a:fld id="{F787A8E3-CDBE-416E-AB8E-15F5E3F489E4}" type="datetimeFigureOut">
               <a:rPr lang="en-US" smtClean="0"/>
-              <a:t>10/21/2014</a:t>
+              <a:t>10/22/2014</a:t>
             </a:fld>
             <a:endParaRPr lang="en-US"/>
           </a:p>
@@ -1079,7 +1073,7 @@
           <a:p>
             <a:fld id="{F787A8E3-CDBE-416E-AB8E-15F5E3F489E4}" type="datetimeFigureOut">
               <a:rPr lang="en-US" smtClean="0"/>
-              <a:t>10/21/2014</a:t>
+              <a:t>10/22/2014</a:t>
             </a:fld>
             <a:endParaRPr lang="en-US"/>
           </a:p>
@@ -1258,7 +1252,7 @@
           <a:p>
             <a:fld id="{F787A8E3-CDBE-416E-AB8E-15F5E3F489E4}" type="datetimeFigureOut">
               <a:rPr lang="en-US" smtClean="0"/>
-              <a:t>10/21/2014</a:t>
+              <a:t>10/22/2014</a:t>
             </a:fld>
             <a:endParaRPr lang="en-US"/>
           </a:p>
@@ -1616,7 +1610,7 @@
           <a:p>
             <a:fld id="{F787A8E3-CDBE-416E-AB8E-15F5E3F489E4}" type="datetimeFigureOut">
               <a:rPr lang="en-US" smtClean="0"/>
-              <a:t>10/21/2014</a:t>
+              <a:t>10/22/2014</a:t>
             </a:fld>
             <a:endParaRPr lang="en-US"/>
           </a:p>
@@ -1903,7 +1897,7 @@
           <a:p>
             <a:fld id="{F787A8E3-CDBE-416E-AB8E-15F5E3F489E4}" type="datetimeFigureOut">
               <a:rPr lang="en-US" smtClean="0"/>
-              <a:t>10/21/2014</a:t>
+              <a:t>10/22/2014</a:t>
             </a:fld>
             <a:endParaRPr lang="en-US"/>
           </a:p>
@@ -2325,7 +2319,7 @@
           <a:p>
             <a:fld id="{F787A8E3-CDBE-416E-AB8E-15F5E3F489E4}" type="datetimeFigureOut">
               <a:rPr lang="en-US" smtClean="0"/>
-              <a:t>10/21/2014</a:t>
+              <a:t>10/22/2014</a:t>
             </a:fld>
             <a:endParaRPr lang="en-US"/>
           </a:p>
@@ -2440,7 +2434,7 @@
           <a:p>
             <a:fld id="{F787A8E3-CDBE-416E-AB8E-15F5E3F489E4}" type="datetimeFigureOut">
               <a:rPr lang="en-US" smtClean="0"/>
-              <a:t>10/21/2014</a:t>
+              <a:t>10/22/2014</a:t>
             </a:fld>
             <a:endParaRPr lang="en-US"/>
           </a:p>
@@ -2530,7 +2524,7 @@
           <a:p>
             <a:fld id="{F787A8E3-CDBE-416E-AB8E-15F5E3F489E4}" type="datetimeFigureOut">
               <a:rPr lang="en-US" smtClean="0"/>
-              <a:t>10/21/2014</a:t>
+              <a:t>10/22/2014</a:t>
             </a:fld>
             <a:endParaRPr lang="en-US"/>
           </a:p>
@@ -2808,7 +2802,7 @@
           <a:p>
             <a:fld id="{F787A8E3-CDBE-416E-AB8E-15F5E3F489E4}" type="datetimeFigureOut">
               <a:rPr lang="en-US" smtClean="0"/>
-              <a:t>10/21/2014</a:t>
+              <a:t>10/22/2014</a:t>
             </a:fld>
             <a:endParaRPr lang="en-US"/>
           </a:p>
@@ -3174,7 +3168,7 @@
           <a:p>
             <a:fld id="{F787A8E3-CDBE-416E-AB8E-15F5E3F489E4}" type="datetimeFigureOut">
               <a:rPr lang="en-US" smtClean="0"/>
-              <a:t>10/21/2014</a:t>
+              <a:t>10/22/2014</a:t>
             </a:fld>
             <a:endParaRPr lang="en-US"/>
           </a:p>
@@ -3611,7 +3605,7 @@
           <a:p>
             <a:fld id="{F787A8E3-CDBE-416E-AB8E-15F5E3F489E4}" type="datetimeFigureOut">
               <a:rPr lang="en-US" smtClean="0"/>
-              <a:t>10/21/2014</a:t>
+              <a:t>10/22/2014</a:t>
             </a:fld>
             <a:endParaRPr lang="en-US"/>
           </a:p>
@@ -4190,7 +4184,46 @@
           <a:bodyPr/>
           <a:lstStyle/>
           <a:p>
-            <a:endParaRPr lang="en-US"/>
+            <a:r>
+              <a:rPr lang="en-US" dirty="0" smtClean="0"/>
+              <a:t>Unit testing</a:t>
+            </a:r>
+          </a:p>
+          <a:p>
+            <a:pPr lvl="1"/>
+            <a:r>
+              <a:rPr lang="en-US" dirty="0" smtClean="0"/>
+              <a:t>Crypto</a:t>
+            </a:r>
+          </a:p>
+          <a:p>
+            <a:pPr lvl="1"/>
+            <a:r>
+              <a:rPr lang="en-US" dirty="0" smtClean="0"/>
+              <a:t>Discovery helper methods</a:t>
+            </a:r>
+          </a:p>
+          <a:p>
+            <a:r>
+              <a:rPr lang="en-US" dirty="0" smtClean="0"/>
+              <a:t>Acceptance testing</a:t>
+            </a:r>
+          </a:p>
+          <a:p>
+            <a:pPr lvl="1"/>
+            <a:r>
+              <a:rPr lang="en-US" smtClean="0"/>
+              <a:t>Hardware interactions</a:t>
+            </a:r>
+            <a:endParaRPr lang="en-US" dirty="0" smtClean="0"/>
+          </a:p>
+          <a:p>
+            <a:pPr lvl="1"/>
+            <a:r>
+              <a:rPr lang="en-US" dirty="0" smtClean="0"/>
+              <a:t>Device discovery</a:t>
+            </a:r>
+            <a:endParaRPr lang="en-US" dirty="0"/>
           </a:p>
         </p:txBody>
       </p:sp>
@@ -4262,7 +4295,32 @@
           <a:bodyPr/>
           <a:lstStyle/>
           <a:p>
-            <a:endParaRPr lang="en-US"/>
+            <a:r>
+              <a:rPr lang="en-US" dirty="0" smtClean="0"/>
+              <a:t>Split design between three domains</a:t>
+            </a:r>
+          </a:p>
+          <a:p>
+            <a:pPr lvl="1"/>
+            <a:r>
+              <a:rPr lang="en-US" dirty="0" smtClean="0"/>
+              <a:t>Embedded</a:t>
+            </a:r>
+          </a:p>
+          <a:p>
+            <a:pPr lvl="1"/>
+            <a:r>
+              <a:rPr lang="en-US" dirty="0" smtClean="0"/>
+              <a:t>Core tool (command line)</a:t>
+            </a:r>
+          </a:p>
+          <a:p>
+            <a:pPr lvl="1"/>
+            <a:r>
+              <a:rPr lang="en-US" dirty="0" smtClean="0"/>
+              <a:t>GUI wrapper of core tool</a:t>
+            </a:r>
+            <a:endParaRPr lang="en-US" dirty="0"/>
           </a:p>
         </p:txBody>
       </p:sp>
@@ -5022,21 +5080,21 @@
       </p:sp>
       <p:graphicFrame>
         <p:nvGraphicFramePr>
-          <p:cNvPr id="4" name="Chart 3"/>
+          <p:cNvPr id="5" name="Chart 4"/>
           <p:cNvGraphicFramePr>
             <a:graphicFrameLocks/>
           </p:cNvGraphicFramePr>
           <p:nvPr>
             <p:extLst>
               <p:ext uri="{D42A27DB-BD31-4B8C-83A1-F6EECF244321}">
-                <p14:modId xmlns:p14="http://schemas.microsoft.com/office/powerpoint/2010/main" val="628817399"/>
+                <p14:modId xmlns:p14="http://schemas.microsoft.com/office/powerpoint/2010/main" val="514192378"/>
               </p:ext>
             </p:extLst>
           </p:nvPr>
         </p:nvGraphicFramePr>
         <p:xfrm>
-          <a:off x="24788" y="1676400"/>
-          <a:ext cx="8983337" cy="5105400"/>
+          <a:off x="0" y="1524000"/>
+          <a:ext cx="9144000" cy="5334000"/>
         </p:xfrm>
         <a:graphic>
           <a:graphicData uri="http://schemas.openxmlformats.org/drawingml/2006/chart">
